--- a/Classification Questions.pptx
+++ b/Classification Questions.pptx
@@ -3806,7 +3806,7 @@
         <p:spPr>
           <a:xfrm>
             <a:off x="978193" y="3625701"/>
-            <a:ext cx="3264198" cy="2169496"/>
+            <a:ext cx="1977658" cy="1314418"/>
           </a:xfrm>
           <a:prstGeom prst="rect">
             <a:avLst/>
@@ -3840,8 +3840,8 @@
         </p:blipFill>
         <p:spPr>
           <a:xfrm>
-            <a:off x="8074099" y="3600369"/>
-            <a:ext cx="2631092" cy="2169496"/>
+            <a:off x="5298959" y="3600369"/>
+            <a:ext cx="1594082" cy="1314418"/>
           </a:xfrm>
           <a:prstGeom prst="rect">
             <a:avLst/>
@@ -3875,8 +3875,8 @@
         </p:blipFill>
         <p:spPr>
           <a:xfrm>
-            <a:off x="4590785" y="3625701"/>
-            <a:ext cx="2834706" cy="2169496"/>
+            <a:off x="3095844" y="3600369"/>
+            <a:ext cx="1717444" cy="1314418"/>
           </a:xfrm>
           <a:prstGeom prst="rect">
             <a:avLst/>
@@ -3918,6 +3918,41 @@
           </a:p>
         </p:txBody>
       </p:sp>
+      <p:pic>
+        <p:nvPicPr>
+          <p:cNvPr id="12" name="Picture 11" descr="A bee on a leaf&#10;&#10;Description automatically generated">
+            <a:extLst>
+              <a:ext uri="{FF2B5EF4-FFF2-40B4-BE49-F238E27FC236}">
+                <a16:creationId xmlns:a16="http://schemas.microsoft.com/office/drawing/2014/main" id="{0FE39934-EDB3-4D93-B35D-0D0091083DD6}"/>
+              </a:ext>
+            </a:extLst>
+          </p:cNvPr>
+          <p:cNvPicPr>
+            <a:picLocks noChangeAspect="1"/>
+          </p:cNvPicPr>
+          <p:nvPr/>
+        </p:nvPicPr>
+        <p:blipFill rotWithShape="1">
+          <a:blip r:embed="rId5">
+            <a:extLst>
+              <a:ext uri="{28A0092B-C50C-407E-A947-70E740481C1C}">
+                <a14:useLocalDpi xmlns:a14="http://schemas.microsoft.com/office/drawing/2010/main" val="0"/>
+              </a:ext>
+            </a:extLst>
+          </a:blip>
+          <a:srcRect l="30366" t="28601" r="22222" b="27674"/>
+          <a:stretch/>
+        </p:blipFill>
+        <p:spPr>
+          <a:xfrm>
+            <a:off x="7628925" y="3625701"/>
+            <a:ext cx="1493810" cy="1289086"/>
+          </a:xfrm>
+          <a:prstGeom prst="rect">
+            <a:avLst/>
+          </a:prstGeom>
+        </p:spPr>
+      </p:pic>
     </p:spTree>
     <p:extLst>
       <p:ext uri="{BB962C8B-B14F-4D97-AF65-F5344CB8AC3E}">

--- a/Classification Questions.pptx
+++ b/Classification Questions.pptx
@@ -8,6 +8,8 @@
     <p:sldId id="257" r:id="rId2"/>
     <p:sldId id="258" r:id="rId3"/>
     <p:sldId id="256" r:id="rId4"/>
+    <p:sldId id="259" r:id="rId5"/>
+    <p:sldId id="260" r:id="rId6"/>
   </p:sldIdLst>
   <p:sldSz cx="12192000" cy="6858000"/>
   <p:notesSz cx="6858000" cy="9144000"/>
@@ -3409,8 +3411,8 @@
         </p:nvSpPr>
         <p:spPr>
           <a:xfrm>
-            <a:off x="1198181" y="560881"/>
-            <a:ext cx="9795638" cy="1114380"/>
+            <a:off x="1976737" y="938504"/>
+            <a:ext cx="9109601" cy="1114380"/>
           </a:xfrm>
         </p:spPr>
         <p:txBody>
@@ -3419,10 +3421,11 @@
           </a:bodyPr>
           <a:lstStyle/>
           <a:p>
-            <a:pPr algn="ctr"/>
-            <a:r>
-              <a:rPr lang="en-US" sz="5200" b="1" dirty="0"/>
-              <a:t>Question 1</a:t>
+            <a:r>
+              <a:rPr lang="en-US" sz="3200" b="1" dirty="0">
+                <a:latin typeface="Bahnschrift Light Condensed" panose="020B0502040204020203" pitchFamily="34" charset="0"/>
+              </a:rPr>
+              <a:t>Classification 1</a:t>
             </a:r>
           </a:p>
         </p:txBody>
@@ -3445,7 +3448,7 @@
         </p:nvSpPr>
         <p:spPr>
           <a:xfrm>
-            <a:off x="1010093" y="1839595"/>
+            <a:off x="1102612" y="2050821"/>
             <a:ext cx="9983726" cy="943119"/>
           </a:xfrm>
         </p:spPr>
@@ -3459,7 +3462,9 @@
               <a:buNone/>
             </a:pPr>
             <a:r>
-              <a:rPr lang="en-US" dirty="0"/>
+              <a:rPr lang="en-US" dirty="0">
+                <a:latin typeface="Bahnschrift Light Condensed" panose="020B0502040204020203" pitchFamily="34" charset="0"/>
+              </a:rPr>
               <a:t>The color on your insects’ abdomen is most like which set of colors?</a:t>
             </a:r>
           </a:p>
@@ -3487,8 +3492,8 @@
         </p:blipFill>
         <p:spPr>
           <a:xfrm>
-            <a:off x="279512" y="2957665"/>
-            <a:ext cx="5631705" cy="3346376"/>
+            <a:off x="2740015" y="2522380"/>
+            <a:ext cx="2478981" cy="2270117"/>
           </a:xfrm>
           <a:prstGeom prst="rect">
             <a:avLst/>
@@ -3517,8 +3522,8 @@
         </p:blipFill>
         <p:spPr>
           <a:xfrm>
-            <a:off x="6182505" y="2963490"/>
-            <a:ext cx="5828261" cy="3334726"/>
+            <a:off x="7223807" y="2522380"/>
+            <a:ext cx="2395002" cy="2162692"/>
           </a:xfrm>
           <a:prstGeom prst="rect">
             <a:avLst/>
@@ -3574,8 +3579,8 @@
         </p:nvSpPr>
         <p:spPr>
           <a:xfrm>
-            <a:off x="575654" y="2321049"/>
-            <a:ext cx="535724" cy="923330"/>
+            <a:off x="2430819" y="3264367"/>
+            <a:ext cx="367408" cy="523220"/>
           </a:xfrm>
           <a:prstGeom prst="rect">
             <a:avLst/>
@@ -3590,7 +3595,7 @@
           <a:p>
             <a:pPr algn="ctr"/>
             <a:r>
-              <a:rPr lang="en-US" sz="5400" dirty="0">
+              <a:rPr lang="en-US" sz="2800" dirty="0">
                 <a:ln w="0"/>
                 <a:effectLst>
                   <a:outerShdw blurRad="38100" dist="19050" dir="2700000" algn="tl" rotWithShape="0">
@@ -3602,7 +3607,7 @@
               </a:rPr>
               <a:t>1</a:t>
             </a:r>
-            <a:endParaRPr lang="en-US" sz="5400" b="0" cap="none" spc="0" dirty="0">
+            <a:endParaRPr lang="en-US" sz="2800" b="0" cap="none" spc="0" dirty="0">
               <a:ln w="0"/>
               <a:solidFill>
                 <a:schemeClr val="tx1"/>
@@ -3620,10 +3625,10 @@
       </p:sp>
       <p:sp>
         <p:nvSpPr>
-          <p:cNvPr id="11" name="Rectangle 10">
-            <a:extLst>
-              <a:ext uri="{FF2B5EF4-FFF2-40B4-BE49-F238E27FC236}">
-                <a16:creationId xmlns:a16="http://schemas.microsoft.com/office/drawing/2014/main" id="{8971C1D4-A5C6-45CF-8471-C72C989E9BDF}"/>
+          <p:cNvPr id="13" name="Rectangle 12">
+            <a:extLst>
+              <a:ext uri="{FF2B5EF4-FFF2-40B4-BE49-F238E27FC236}">
+                <a16:creationId xmlns:a16="http://schemas.microsoft.com/office/drawing/2014/main" id="{EBCB9F7F-A7EE-4184-97D6-BF8EA6643A7B}"/>
               </a:ext>
             </a:extLst>
           </p:cNvPr>
@@ -3632,8 +3637,8 @@
         </p:nvSpPr>
         <p:spPr>
           <a:xfrm>
-            <a:off x="6345654" y="2327909"/>
-            <a:ext cx="535724" cy="923330"/>
+            <a:off x="6856399" y="3264367"/>
+            <a:ext cx="367408" cy="523220"/>
           </a:xfrm>
           <a:prstGeom prst="rect">
             <a:avLst/>
@@ -3648,7 +3653,7 @@
           <a:p>
             <a:pPr algn="ctr"/>
             <a:r>
-              <a:rPr lang="en-US" sz="5400" b="0" cap="none" spc="0" dirty="0">
+              <a:rPr lang="en-US" sz="2800" b="0" cap="none" spc="0" dirty="0">
                 <a:ln w="0"/>
                 <a:solidFill>
                   <a:schemeClr val="tx1"/>
@@ -3663,6 +3668,422 @@
               </a:rPr>
               <a:t>0</a:t>
             </a:r>
+          </a:p>
+        </p:txBody>
+      </p:sp>
+      <p:sp>
+        <p:nvSpPr>
+          <p:cNvPr id="10" name="Rectangle 9">
+            <a:extLst>
+              <a:ext uri="{FF2B5EF4-FFF2-40B4-BE49-F238E27FC236}">
+                <a16:creationId xmlns:a16="http://schemas.microsoft.com/office/drawing/2014/main" id="{B6BAD20C-11D9-458B-B48D-05FA09F59C0C}"/>
+              </a:ext>
+            </a:extLst>
+          </p:cNvPr>
+          <p:cNvSpPr/>
+          <p:nvPr/>
+        </p:nvSpPr>
+        <p:spPr>
+          <a:xfrm>
+            <a:off x="2430819" y="2669308"/>
+            <a:ext cx="367408" cy="1911927"/>
+          </a:xfrm>
+          <a:prstGeom prst="rect">
+            <a:avLst/>
+          </a:prstGeom>
+          <a:noFill/>
+          <a:ln w="28575">
+            <a:solidFill>
+              <a:schemeClr val="tx1"/>
+            </a:solidFill>
+          </a:ln>
+        </p:spPr>
+        <p:style>
+          <a:lnRef idx="2">
+            <a:schemeClr val="accent1">
+              <a:shade val="50000"/>
+            </a:schemeClr>
+          </a:lnRef>
+          <a:fillRef idx="1">
+            <a:schemeClr val="accent1"/>
+          </a:fillRef>
+          <a:effectRef idx="0">
+            <a:schemeClr val="accent1"/>
+          </a:effectRef>
+          <a:fontRef idx="minor">
+            <a:schemeClr val="lt1"/>
+          </a:fontRef>
+        </p:style>
+        <p:txBody>
+          <a:bodyPr rtlCol="0" anchor="ctr"/>
+          <a:lstStyle/>
+          <a:p>
+            <a:pPr algn="ctr"/>
+            <a:endParaRPr lang="en-US"/>
+          </a:p>
+        </p:txBody>
+      </p:sp>
+      <p:sp>
+        <p:nvSpPr>
+          <p:cNvPr id="14" name="Rectangle 13">
+            <a:extLst>
+              <a:ext uri="{FF2B5EF4-FFF2-40B4-BE49-F238E27FC236}">
+                <a16:creationId xmlns:a16="http://schemas.microsoft.com/office/drawing/2014/main" id="{F0E74E3D-E46C-4107-B3F7-18CC6187443A}"/>
+              </a:ext>
+            </a:extLst>
+          </p:cNvPr>
+          <p:cNvSpPr/>
+          <p:nvPr/>
+        </p:nvSpPr>
+        <p:spPr>
+          <a:xfrm>
+            <a:off x="2895130" y="2669308"/>
+            <a:ext cx="2243003" cy="1911927"/>
+          </a:xfrm>
+          <a:prstGeom prst="rect">
+            <a:avLst/>
+          </a:prstGeom>
+          <a:noFill/>
+          <a:ln w="28575">
+            <a:solidFill>
+              <a:schemeClr val="tx1"/>
+            </a:solidFill>
+          </a:ln>
+        </p:spPr>
+        <p:style>
+          <a:lnRef idx="2">
+            <a:schemeClr val="accent1">
+              <a:shade val="50000"/>
+            </a:schemeClr>
+          </a:lnRef>
+          <a:fillRef idx="1">
+            <a:schemeClr val="accent1"/>
+          </a:fillRef>
+          <a:effectRef idx="0">
+            <a:schemeClr val="accent1"/>
+          </a:effectRef>
+          <a:fontRef idx="minor">
+            <a:schemeClr val="lt1"/>
+          </a:fontRef>
+        </p:style>
+        <p:txBody>
+          <a:bodyPr rtlCol="0" anchor="ctr"/>
+          <a:lstStyle/>
+          <a:p>
+            <a:pPr algn="ctr"/>
+            <a:endParaRPr lang="en-US"/>
+          </a:p>
+        </p:txBody>
+      </p:sp>
+      <p:sp>
+        <p:nvSpPr>
+          <p:cNvPr id="15" name="Rectangle 14">
+            <a:extLst>
+              <a:ext uri="{FF2B5EF4-FFF2-40B4-BE49-F238E27FC236}">
+                <a16:creationId xmlns:a16="http://schemas.microsoft.com/office/drawing/2014/main" id="{0855D51D-1D5F-4488-8E0A-41B48F0A51DF}"/>
+              </a:ext>
+            </a:extLst>
+          </p:cNvPr>
+          <p:cNvSpPr/>
+          <p:nvPr/>
+        </p:nvSpPr>
+        <p:spPr>
+          <a:xfrm>
+            <a:off x="7296727" y="2647762"/>
+            <a:ext cx="2196590" cy="1911927"/>
+          </a:xfrm>
+          <a:prstGeom prst="rect">
+            <a:avLst/>
+          </a:prstGeom>
+          <a:noFill/>
+          <a:ln w="28575">
+            <a:solidFill>
+              <a:schemeClr val="tx1"/>
+            </a:solidFill>
+          </a:ln>
+        </p:spPr>
+        <p:style>
+          <a:lnRef idx="2">
+            <a:schemeClr val="accent1">
+              <a:shade val="50000"/>
+            </a:schemeClr>
+          </a:lnRef>
+          <a:fillRef idx="1">
+            <a:schemeClr val="accent1"/>
+          </a:fillRef>
+          <a:effectRef idx="0">
+            <a:schemeClr val="accent1"/>
+          </a:effectRef>
+          <a:fontRef idx="minor">
+            <a:schemeClr val="lt1"/>
+          </a:fontRef>
+        </p:style>
+        <p:txBody>
+          <a:bodyPr rtlCol="0" anchor="ctr"/>
+          <a:lstStyle/>
+          <a:p>
+            <a:pPr algn="ctr"/>
+            <a:endParaRPr lang="en-US"/>
+          </a:p>
+        </p:txBody>
+      </p:sp>
+      <p:sp>
+        <p:nvSpPr>
+          <p:cNvPr id="16" name="Rectangle 15">
+            <a:extLst>
+              <a:ext uri="{FF2B5EF4-FFF2-40B4-BE49-F238E27FC236}">
+                <a16:creationId xmlns:a16="http://schemas.microsoft.com/office/drawing/2014/main" id="{0E1B1BD1-2E32-48AC-A49E-7072094554E1}"/>
+              </a:ext>
+            </a:extLst>
+          </p:cNvPr>
+          <p:cNvSpPr/>
+          <p:nvPr/>
+        </p:nvSpPr>
+        <p:spPr>
+          <a:xfrm>
+            <a:off x="6856399" y="2669308"/>
+            <a:ext cx="367408" cy="1911927"/>
+          </a:xfrm>
+          <a:prstGeom prst="rect">
+            <a:avLst/>
+          </a:prstGeom>
+          <a:noFill/>
+          <a:ln w="28575">
+            <a:solidFill>
+              <a:schemeClr val="tx1"/>
+            </a:solidFill>
+          </a:ln>
+        </p:spPr>
+        <p:style>
+          <a:lnRef idx="2">
+            <a:schemeClr val="accent1">
+              <a:shade val="50000"/>
+            </a:schemeClr>
+          </a:lnRef>
+          <a:fillRef idx="1">
+            <a:schemeClr val="accent1"/>
+          </a:fillRef>
+          <a:effectRef idx="0">
+            <a:schemeClr val="accent1"/>
+          </a:effectRef>
+          <a:fontRef idx="minor">
+            <a:schemeClr val="lt1"/>
+          </a:fontRef>
+        </p:style>
+        <p:txBody>
+          <a:bodyPr rtlCol="0" anchor="ctr"/>
+          <a:lstStyle/>
+          <a:p>
+            <a:pPr algn="ctr"/>
+            <a:endParaRPr lang="en-US"/>
+          </a:p>
+        </p:txBody>
+      </p:sp>
+      <p:sp>
+        <p:nvSpPr>
+          <p:cNvPr id="17" name="Rectangle 16">
+            <a:extLst>
+              <a:ext uri="{FF2B5EF4-FFF2-40B4-BE49-F238E27FC236}">
+                <a16:creationId xmlns:a16="http://schemas.microsoft.com/office/drawing/2014/main" id="{4949F2FE-3304-4BB3-BB66-8C75C34E6DA5}"/>
+              </a:ext>
+            </a:extLst>
+          </p:cNvPr>
+          <p:cNvSpPr/>
+          <p:nvPr/>
+        </p:nvSpPr>
+        <p:spPr>
+          <a:xfrm>
+            <a:off x="2890885" y="2669308"/>
+            <a:ext cx="1117698" cy="1911927"/>
+          </a:xfrm>
+          <a:prstGeom prst="rect">
+            <a:avLst/>
+          </a:prstGeom>
+          <a:noFill/>
+          <a:ln w="28575">
+            <a:solidFill>
+              <a:schemeClr val="tx1"/>
+            </a:solidFill>
+          </a:ln>
+        </p:spPr>
+        <p:style>
+          <a:lnRef idx="2">
+            <a:schemeClr val="accent1">
+              <a:shade val="50000"/>
+            </a:schemeClr>
+          </a:lnRef>
+          <a:fillRef idx="1">
+            <a:schemeClr val="accent1"/>
+          </a:fillRef>
+          <a:effectRef idx="0">
+            <a:schemeClr val="accent1"/>
+          </a:effectRef>
+          <a:fontRef idx="minor">
+            <a:schemeClr val="lt1"/>
+          </a:fontRef>
+        </p:style>
+        <p:txBody>
+          <a:bodyPr rtlCol="0" anchor="ctr"/>
+          <a:lstStyle/>
+          <a:p>
+            <a:pPr algn="ctr"/>
+            <a:endParaRPr lang="en-US"/>
+          </a:p>
+        </p:txBody>
+      </p:sp>
+      <p:sp>
+        <p:nvSpPr>
+          <p:cNvPr id="18" name="Rectangle 17">
+            <a:extLst>
+              <a:ext uri="{FF2B5EF4-FFF2-40B4-BE49-F238E27FC236}">
+                <a16:creationId xmlns:a16="http://schemas.microsoft.com/office/drawing/2014/main" id="{702A57AA-C7F8-4904-8F27-175EC11CF001}"/>
+              </a:ext>
+            </a:extLst>
+          </p:cNvPr>
+          <p:cNvSpPr/>
+          <p:nvPr/>
+        </p:nvSpPr>
+        <p:spPr>
+          <a:xfrm>
+            <a:off x="7303610" y="2647761"/>
+            <a:ext cx="1092245" cy="1911927"/>
+          </a:xfrm>
+          <a:prstGeom prst="rect">
+            <a:avLst/>
+          </a:prstGeom>
+          <a:noFill/>
+          <a:ln w="28575">
+            <a:solidFill>
+              <a:schemeClr val="tx1"/>
+            </a:solidFill>
+          </a:ln>
+        </p:spPr>
+        <p:style>
+          <a:lnRef idx="2">
+            <a:schemeClr val="accent1">
+              <a:shade val="50000"/>
+            </a:schemeClr>
+          </a:lnRef>
+          <a:fillRef idx="1">
+            <a:schemeClr val="accent1"/>
+          </a:fillRef>
+          <a:effectRef idx="0">
+            <a:schemeClr val="accent1"/>
+          </a:effectRef>
+          <a:fontRef idx="minor">
+            <a:schemeClr val="lt1"/>
+          </a:fontRef>
+        </p:style>
+        <p:txBody>
+          <a:bodyPr rtlCol="0" anchor="ctr"/>
+          <a:lstStyle/>
+          <a:p>
+            <a:pPr algn="ctr"/>
+            <a:endParaRPr lang="en-US"/>
+          </a:p>
+        </p:txBody>
+      </p:sp>
+      <p:sp>
+        <p:nvSpPr>
+          <p:cNvPr id="19" name="Rectangle 18">
+            <a:extLst>
+              <a:ext uri="{FF2B5EF4-FFF2-40B4-BE49-F238E27FC236}">
+                <a16:creationId xmlns:a16="http://schemas.microsoft.com/office/drawing/2014/main" id="{0A32D6B2-FE9C-4F0B-8198-CB4A6EF17FB4}"/>
+              </a:ext>
+            </a:extLst>
+          </p:cNvPr>
+          <p:cNvSpPr/>
+          <p:nvPr/>
+        </p:nvSpPr>
+        <p:spPr>
+          <a:xfrm>
+            <a:off x="2890885" y="2669308"/>
+            <a:ext cx="2230822" cy="951347"/>
+          </a:xfrm>
+          <a:prstGeom prst="rect">
+            <a:avLst/>
+          </a:prstGeom>
+          <a:noFill/>
+          <a:ln w="28575">
+            <a:solidFill>
+              <a:schemeClr val="tx1"/>
+            </a:solidFill>
+          </a:ln>
+        </p:spPr>
+        <p:style>
+          <a:lnRef idx="2">
+            <a:schemeClr val="accent1">
+              <a:shade val="50000"/>
+            </a:schemeClr>
+          </a:lnRef>
+          <a:fillRef idx="1">
+            <a:schemeClr val="accent1"/>
+          </a:fillRef>
+          <a:effectRef idx="0">
+            <a:schemeClr val="accent1"/>
+          </a:effectRef>
+          <a:fontRef idx="minor">
+            <a:schemeClr val="lt1"/>
+          </a:fontRef>
+        </p:style>
+        <p:txBody>
+          <a:bodyPr rtlCol="0" anchor="ctr"/>
+          <a:lstStyle/>
+          <a:p>
+            <a:pPr algn="ctr"/>
+            <a:endParaRPr lang="en-US"/>
+          </a:p>
+        </p:txBody>
+      </p:sp>
+      <p:sp>
+        <p:nvSpPr>
+          <p:cNvPr id="20" name="Rectangle 19">
+            <a:extLst>
+              <a:ext uri="{FF2B5EF4-FFF2-40B4-BE49-F238E27FC236}">
+                <a16:creationId xmlns:a16="http://schemas.microsoft.com/office/drawing/2014/main" id="{D44B05DA-9A9D-4E6D-8580-46A499F5A9F2}"/>
+              </a:ext>
+            </a:extLst>
+          </p:cNvPr>
+          <p:cNvSpPr/>
+          <p:nvPr/>
+        </p:nvSpPr>
+        <p:spPr>
+          <a:xfrm>
+            <a:off x="7296727" y="2657674"/>
+            <a:ext cx="2196590" cy="951347"/>
+          </a:xfrm>
+          <a:prstGeom prst="rect">
+            <a:avLst/>
+          </a:prstGeom>
+          <a:noFill/>
+          <a:ln w="28575">
+            <a:solidFill>
+              <a:schemeClr val="tx1"/>
+            </a:solidFill>
+          </a:ln>
+        </p:spPr>
+        <p:style>
+          <a:lnRef idx="2">
+            <a:schemeClr val="accent1">
+              <a:shade val="50000"/>
+            </a:schemeClr>
+          </a:lnRef>
+          <a:fillRef idx="1">
+            <a:schemeClr val="accent1"/>
+          </a:fillRef>
+          <a:effectRef idx="0">
+            <a:schemeClr val="accent1"/>
+          </a:effectRef>
+          <a:fontRef idx="minor">
+            <a:schemeClr val="lt1"/>
+          </a:fontRef>
+        </p:style>
+        <p:txBody>
+          <a:bodyPr rtlCol="0" anchor="ctr"/>
+          <a:lstStyle/>
+          <a:p>
+            <a:pPr algn="ctr"/>
+            <a:endParaRPr lang="en-US"/>
           </a:p>
         </p:txBody>
       </p:sp>
@@ -3712,69 +4133,90 @@
             <p:ph type="title"/>
           </p:nvPr>
         </p:nvSpPr>
-        <p:spPr/>
+        <p:spPr>
+          <a:xfrm>
+            <a:off x="535709" y="873125"/>
+            <a:ext cx="10818091" cy="1325563"/>
+          </a:xfrm>
+        </p:spPr>
+        <p:txBody>
+          <a:bodyPr>
+            <a:normAutofit/>
+          </a:bodyPr>
+          <a:lstStyle/>
+          <a:p>
+            <a:r>
+              <a:rPr lang="en-US" sz="3200" b="1" dirty="0">
+                <a:latin typeface="Bahnschrift Light Condensed" panose="020B0502040204020203" pitchFamily="34" charset="0"/>
+              </a:rPr>
+              <a:t>Classification 2</a:t>
+            </a:r>
+          </a:p>
+        </p:txBody>
+      </p:sp>
+      <p:sp>
+        <p:nvSpPr>
+          <p:cNvPr id="3" name="Content Placeholder 2">
+            <a:extLst>
+              <a:ext uri="{FF2B5EF4-FFF2-40B4-BE49-F238E27FC236}">
+                <a16:creationId xmlns:a16="http://schemas.microsoft.com/office/drawing/2014/main" id="{5AAE77AB-6FEB-4D67-898F-304AF1AF7D43}"/>
+              </a:ext>
+            </a:extLst>
+          </p:cNvPr>
+          <p:cNvSpPr>
+            <a:spLocks noGrp="1"/>
+          </p:cNvSpPr>
+          <p:nvPr>
+            <p:ph idx="1"/>
+          </p:nvPr>
+        </p:nvSpPr>
+        <p:spPr>
+          <a:xfrm>
+            <a:off x="535708" y="1825625"/>
+            <a:ext cx="10818091" cy="4351338"/>
+          </a:xfrm>
+        </p:spPr>
         <p:txBody>
           <a:bodyPr/>
           <a:lstStyle/>
           <a:p>
-            <a:pPr algn="ctr"/>
-            <a:r>
-              <a:rPr lang="en-US" sz="5200" b="1" dirty="0"/>
-              <a:t>Question</a:t>
-            </a:r>
-            <a:r>
-              <a:rPr lang="en-US" b="1" dirty="0"/>
-              <a:t> 2</a:t>
-            </a:r>
-          </a:p>
-        </p:txBody>
-      </p:sp>
-      <p:sp>
-        <p:nvSpPr>
-          <p:cNvPr id="3" name="Content Placeholder 2">
-            <a:extLst>
-              <a:ext uri="{FF2B5EF4-FFF2-40B4-BE49-F238E27FC236}">
-                <a16:creationId xmlns:a16="http://schemas.microsoft.com/office/drawing/2014/main" id="{5AAE77AB-6FEB-4D67-898F-304AF1AF7D43}"/>
-              </a:ext>
-            </a:extLst>
-          </p:cNvPr>
-          <p:cNvSpPr>
-            <a:spLocks noGrp="1"/>
-          </p:cNvSpPr>
-          <p:nvPr>
-            <p:ph idx="1"/>
-          </p:nvPr>
-        </p:nvSpPr>
-        <p:spPr/>
-        <p:txBody>
-          <a:bodyPr/>
-          <a:lstStyle/>
-          <a:p>
-            <a:pPr marL="0" indent="0" algn="ctr">
+            <a:pPr marL="0" indent="0">
               <a:buNone/>
             </a:pPr>
             <a:r>
-              <a:rPr lang="en-US" dirty="0"/>
+              <a:rPr lang="en-US" dirty="0">
+                <a:latin typeface="Bahnschrift Light Condensed" panose="020B0502040204020203" pitchFamily="34" charset="0"/>
+              </a:rPr>
               <a:t>Are the yellow stripes on its’ abdomen interrupted? </a:t>
             </a:r>
           </a:p>
           <a:p>
-            <a:pPr marL="0" indent="0" algn="ctr">
+            <a:pPr marL="0" indent="0">
               <a:buNone/>
             </a:pPr>
             <a:r>
-              <a:rPr lang="en-US" dirty="0"/>
+              <a:rPr lang="en-US" dirty="0">
+                <a:latin typeface="Bahnschrift Light Condensed" panose="020B0502040204020203" pitchFamily="34" charset="0"/>
+              </a:rPr>
               <a:t>Use 1 for yes and 0 for no. </a:t>
             </a:r>
+            <a:endParaRPr lang="en-US" i="1" dirty="0">
+              <a:latin typeface="Bahnschrift Light Condensed" panose="020B0502040204020203" pitchFamily="34" charset="0"/>
+            </a:endParaRPr>
           </a:p>
           <a:p>
             <a:pPr marL="0" indent="0">
               <a:buNone/>
             </a:pPr>
             <a:r>
-              <a:rPr lang="en-US" i="1" dirty="0"/>
-              <a:t>Examples: </a:t>
-            </a:r>
+              <a:rPr lang="en-US" sz="2400" i="1" dirty="0">
+                <a:latin typeface="Bahnschrift Light Condensed" panose="020B0502040204020203" pitchFamily="34" charset="0"/>
+              </a:rPr>
+              <a:t>Examples of interrupted abdomens:</a:t>
+            </a:r>
+            <a:endParaRPr lang="en-US" sz="2400" dirty="0">
+              <a:latin typeface="Bahnschrift Light Condensed" panose="020B0502040204020203" pitchFamily="34" charset="0"/>
+            </a:endParaRPr>
           </a:p>
         </p:txBody>
       </p:sp>
@@ -3805,7 +4247,7 @@
         </p:blipFill>
         <p:spPr>
           <a:xfrm>
-            <a:off x="978193" y="3625701"/>
+            <a:off x="632515" y="3344085"/>
             <a:ext cx="1977658" cy="1314418"/>
           </a:xfrm>
           <a:prstGeom prst="rect">
@@ -3840,7 +4282,7 @@
         </p:blipFill>
         <p:spPr>
           <a:xfrm>
-            <a:off x="5298959" y="3600369"/>
+            <a:off x="4483000" y="3344085"/>
             <a:ext cx="1594082" cy="1314418"/>
           </a:xfrm>
           <a:prstGeom prst="rect">
@@ -3875,7 +4317,7 @@
         </p:blipFill>
         <p:spPr>
           <a:xfrm>
-            <a:off x="3095844" y="3600369"/>
+            <a:off x="2670640" y="3344085"/>
             <a:ext cx="1717444" cy="1314418"/>
           </a:xfrm>
           <a:prstGeom prst="rect">
@@ -3945,8 +4387,8 @@
         </p:blipFill>
         <p:spPr>
           <a:xfrm>
-            <a:off x="7628925" y="3625701"/>
-            <a:ext cx="1493810" cy="1289086"/>
+            <a:off x="6075975" y="3344085"/>
+            <a:ext cx="1523165" cy="1314418"/>
           </a:xfrm>
           <a:prstGeom prst="rect">
             <a:avLst/>
@@ -4755,6 +5197,417 @@
     <p:extLst>
       <p:ext uri="{BB962C8B-B14F-4D97-AF65-F5344CB8AC3E}">
         <p14:creationId xmlns:p14="http://schemas.microsoft.com/office/powerpoint/2010/main" val="2527729348"/>
+      </p:ext>
+    </p:extLst>
+  </p:cSld>
+  <p:clrMapOvr>
+    <a:masterClrMapping/>
+  </p:clrMapOvr>
+</p:sld>
+</file>
+
+<file path=ppt/slides/slide4.xml><?xml version="1.0" encoding="utf-8"?>
+<p:sld xmlns:a="http://schemas.openxmlformats.org/drawingml/2006/main" xmlns:r="http://schemas.openxmlformats.org/officeDocument/2006/relationships" xmlns:p="http://schemas.openxmlformats.org/presentationml/2006/main">
+  <p:cSld>
+    <p:spTree>
+      <p:nvGrpSpPr>
+        <p:cNvPr id="1" name=""/>
+        <p:cNvGrpSpPr/>
+        <p:nvPr/>
+      </p:nvGrpSpPr>
+      <p:grpSpPr>
+        <a:xfrm>
+          <a:off x="0" y="0"/>
+          <a:ext cx="0" cy="0"/>
+          <a:chOff x="0" y="0"/>
+          <a:chExt cx="0" cy="0"/>
+        </a:xfrm>
+      </p:grpSpPr>
+      <p:pic>
+        <p:nvPicPr>
+          <p:cNvPr id="3" name="Picture 2">
+            <a:extLst>
+              <a:ext uri="{FF2B5EF4-FFF2-40B4-BE49-F238E27FC236}">
+                <a16:creationId xmlns:a16="http://schemas.microsoft.com/office/drawing/2014/main" id="{558C19B8-0A32-4085-96F5-45A21398CF27}"/>
+              </a:ext>
+            </a:extLst>
+          </p:cNvPr>
+          <p:cNvPicPr>
+            <a:picLocks noChangeAspect="1"/>
+          </p:cNvPicPr>
+          <p:nvPr/>
+        </p:nvPicPr>
+        <p:blipFill>
+          <a:blip r:embed="rId2"/>
+          <a:stretch>
+            <a:fillRect/>
+          </a:stretch>
+        </p:blipFill>
+        <p:spPr>
+          <a:xfrm>
+            <a:off x="2015936" y="1407241"/>
+            <a:ext cx="4235147" cy="2941468"/>
+          </a:xfrm>
+          <a:prstGeom prst="rect">
+            <a:avLst/>
+          </a:prstGeom>
+        </p:spPr>
+      </p:pic>
+      <p:pic>
+        <p:nvPicPr>
+          <p:cNvPr id="5" name="Picture 4" descr="A close up of a bee&#10;&#10;Description automatically generated with low confidence">
+            <a:extLst>
+              <a:ext uri="{FF2B5EF4-FFF2-40B4-BE49-F238E27FC236}">
+                <a16:creationId xmlns:a16="http://schemas.microsoft.com/office/drawing/2014/main" id="{CDFE9AAA-9AB8-4704-BE23-907F66EA7FC8}"/>
+              </a:ext>
+            </a:extLst>
+          </p:cNvPr>
+          <p:cNvPicPr>
+            <a:picLocks noChangeAspect="1"/>
+          </p:cNvPicPr>
+          <p:nvPr/>
+        </p:nvPicPr>
+        <p:blipFill>
+          <a:blip r:embed="rId3">
+            <a:extLst>
+              <a:ext uri="{28A0092B-C50C-407E-A947-70E740481C1C}">
+                <a14:useLocalDpi xmlns:a14="http://schemas.microsoft.com/office/drawing/2010/main" val="0"/>
+              </a:ext>
+            </a:extLst>
+          </a:blip>
+          <a:stretch>
+            <a:fillRect/>
+          </a:stretch>
+        </p:blipFill>
+        <p:spPr>
+          <a:xfrm rot="5400000">
+            <a:off x="5763683" y="1896721"/>
+            <a:ext cx="2941467" cy="1962510"/>
+          </a:xfrm>
+          <a:prstGeom prst="rect">
+            <a:avLst/>
+          </a:prstGeom>
+        </p:spPr>
+      </p:pic>
+      <p:sp>
+        <p:nvSpPr>
+          <p:cNvPr id="6" name="TextBox 5">
+            <a:extLst>
+              <a:ext uri="{FF2B5EF4-FFF2-40B4-BE49-F238E27FC236}">
+                <a16:creationId xmlns:a16="http://schemas.microsoft.com/office/drawing/2014/main" id="{A04130FB-38BE-4DAF-ACE2-247C08E1A542}"/>
+              </a:ext>
+            </a:extLst>
+          </p:cNvPr>
+          <p:cNvSpPr txBox="1"/>
+          <p:nvPr/>
+        </p:nvSpPr>
+        <p:spPr>
+          <a:xfrm>
+            <a:off x="6620406" y="1050661"/>
+            <a:ext cx="1562986" cy="400110"/>
+          </a:xfrm>
+          <a:prstGeom prst="rect">
+            <a:avLst/>
+          </a:prstGeom>
+          <a:noFill/>
+        </p:spPr>
+        <p:txBody>
+          <a:bodyPr wrap="square" rtlCol="0">
+            <a:spAutoFit/>
+          </a:bodyPr>
+          <a:lstStyle/>
+          <a:p>
+            <a:r>
+              <a:rPr lang="en-US" sz="2000" dirty="0">
+                <a:latin typeface="Bahnschrift Light Condensed" panose="020B0502040204020203" pitchFamily="34" charset="0"/>
+              </a:rPr>
+              <a:t>Cicada Killer</a:t>
+            </a:r>
+          </a:p>
+        </p:txBody>
+      </p:sp>
+      <p:sp>
+        <p:nvSpPr>
+          <p:cNvPr id="7" name="TextBox 6">
+            <a:extLst>
+              <a:ext uri="{FF2B5EF4-FFF2-40B4-BE49-F238E27FC236}">
+                <a16:creationId xmlns:a16="http://schemas.microsoft.com/office/drawing/2014/main" id="{F8B6307C-4742-46F8-B87C-E41D033180AD}"/>
+              </a:ext>
+            </a:extLst>
+          </p:cNvPr>
+          <p:cNvSpPr txBox="1"/>
+          <p:nvPr/>
+        </p:nvSpPr>
+        <p:spPr>
+          <a:xfrm>
+            <a:off x="3287790" y="1050661"/>
+            <a:ext cx="1986289" cy="400110"/>
+          </a:xfrm>
+          <a:prstGeom prst="rect">
+            <a:avLst/>
+          </a:prstGeom>
+          <a:noFill/>
+        </p:spPr>
+        <p:txBody>
+          <a:bodyPr wrap="square" rtlCol="0">
+            <a:spAutoFit/>
+          </a:bodyPr>
+          <a:lstStyle/>
+          <a:p>
+            <a:r>
+              <a:rPr lang="en-US" sz="2000" dirty="0">
+                <a:latin typeface="Bahnschrift Light Condensed" panose="020B0502040204020203" pitchFamily="34" charset="0"/>
+              </a:rPr>
+              <a:t>Asian Giant Hornet</a:t>
+            </a:r>
+          </a:p>
+        </p:txBody>
+      </p:sp>
+      <p:pic>
+        <p:nvPicPr>
+          <p:cNvPr id="9" name="Picture 8" descr="A close up of a bee&#10;&#10;Description automatically generated with medium confidence">
+            <a:extLst>
+              <a:ext uri="{FF2B5EF4-FFF2-40B4-BE49-F238E27FC236}">
+                <a16:creationId xmlns:a16="http://schemas.microsoft.com/office/drawing/2014/main" id="{45A38008-72B9-4A4C-B88B-7F96347F725A}"/>
+              </a:ext>
+            </a:extLst>
+          </p:cNvPr>
+          <p:cNvPicPr>
+            <a:picLocks noChangeAspect="1"/>
+          </p:cNvPicPr>
+          <p:nvPr/>
+        </p:nvPicPr>
+        <p:blipFill>
+          <a:blip r:embed="rId4">
+            <a:extLst>
+              <a:ext uri="{28A0092B-C50C-407E-A947-70E740481C1C}">
+                <a14:useLocalDpi xmlns:a14="http://schemas.microsoft.com/office/drawing/2010/main" val="0"/>
+              </a:ext>
+            </a:extLst>
+          </a:blip>
+          <a:stretch>
+            <a:fillRect/>
+          </a:stretch>
+        </p:blipFill>
+        <p:spPr>
+          <a:xfrm rot="16200000">
+            <a:off x="7850545" y="1774446"/>
+            <a:ext cx="2941468" cy="2207058"/>
+          </a:xfrm>
+          <a:prstGeom prst="rect">
+            <a:avLst/>
+          </a:prstGeom>
+        </p:spPr>
+      </p:pic>
+      <p:sp>
+        <p:nvSpPr>
+          <p:cNvPr id="10" name="TextBox 9">
+            <a:extLst>
+              <a:ext uri="{FF2B5EF4-FFF2-40B4-BE49-F238E27FC236}">
+                <a16:creationId xmlns:a16="http://schemas.microsoft.com/office/drawing/2014/main" id="{C2191480-9F8F-41A9-8C4D-2F6BED0A2323}"/>
+              </a:ext>
+            </a:extLst>
+          </p:cNvPr>
+          <p:cNvSpPr txBox="1"/>
+          <p:nvPr/>
+        </p:nvSpPr>
+        <p:spPr>
+          <a:xfrm>
+            <a:off x="8550636" y="1050661"/>
+            <a:ext cx="1562986" cy="400110"/>
+          </a:xfrm>
+          <a:prstGeom prst="rect">
+            <a:avLst/>
+          </a:prstGeom>
+          <a:noFill/>
+        </p:spPr>
+        <p:txBody>
+          <a:bodyPr wrap="square" rtlCol="0">
+            <a:spAutoFit/>
+          </a:bodyPr>
+          <a:lstStyle/>
+          <a:p>
+            <a:r>
+              <a:rPr lang="en-US" sz="2000" dirty="0">
+                <a:latin typeface="Bahnschrift Light Condensed" panose="020B0502040204020203" pitchFamily="34" charset="0"/>
+              </a:rPr>
+              <a:t>Yellow Jacket</a:t>
+            </a:r>
+          </a:p>
+        </p:txBody>
+      </p:sp>
+    </p:spTree>
+    <p:extLst>
+      <p:ext uri="{BB962C8B-B14F-4D97-AF65-F5344CB8AC3E}">
+        <p14:creationId xmlns:p14="http://schemas.microsoft.com/office/powerpoint/2010/main" val="69281470"/>
+      </p:ext>
+    </p:extLst>
+  </p:cSld>
+  <p:clrMapOvr>
+    <a:masterClrMapping/>
+  </p:clrMapOvr>
+</p:sld>
+</file>
+
+<file path=ppt/slides/slide5.xml><?xml version="1.0" encoding="utf-8"?>
+<p:sld xmlns:a="http://schemas.openxmlformats.org/drawingml/2006/main" xmlns:r="http://schemas.openxmlformats.org/officeDocument/2006/relationships" xmlns:p="http://schemas.openxmlformats.org/presentationml/2006/main">
+  <p:cSld>
+    <p:spTree>
+      <p:nvGrpSpPr>
+        <p:cNvPr id="1" name=""/>
+        <p:cNvGrpSpPr/>
+        <p:nvPr/>
+      </p:nvGrpSpPr>
+      <p:grpSpPr>
+        <a:xfrm>
+          <a:off x="0" y="0"/>
+          <a:ext cx="0" cy="0"/>
+          <a:chOff x="0" y="0"/>
+          <a:chExt cx="0" cy="0"/>
+        </a:xfrm>
+      </p:grpSpPr>
+      <p:pic>
+        <p:nvPicPr>
+          <p:cNvPr id="4" name="Picture 3">
+            <a:extLst>
+              <a:ext uri="{FF2B5EF4-FFF2-40B4-BE49-F238E27FC236}">
+                <a16:creationId xmlns:a16="http://schemas.microsoft.com/office/drawing/2014/main" id="{78689DC5-292A-40EC-A506-DE3BD5BB53F0}"/>
+              </a:ext>
+            </a:extLst>
+          </p:cNvPr>
+          <p:cNvPicPr>
+            <a:picLocks noChangeAspect="1"/>
+          </p:cNvPicPr>
+          <p:nvPr/>
+        </p:nvPicPr>
+        <p:blipFill rotWithShape="1">
+          <a:blip r:embed="rId2"/>
+          <a:srcRect l="5883" r="5883"/>
+          <a:stretch/>
+        </p:blipFill>
+        <p:spPr>
+          <a:xfrm>
+            <a:off x="1580196" y="1723263"/>
+            <a:ext cx="4580387" cy="4362450"/>
+          </a:xfrm>
+          <a:prstGeom prst="rect">
+            <a:avLst/>
+          </a:prstGeom>
+        </p:spPr>
+      </p:pic>
+      <p:pic>
+        <p:nvPicPr>
+          <p:cNvPr id="8" name="Picture 7" descr="A butterfly on a leaf&#10;&#10;Description automatically generated">
+            <a:extLst>
+              <a:ext uri="{FF2B5EF4-FFF2-40B4-BE49-F238E27FC236}">
+                <a16:creationId xmlns:a16="http://schemas.microsoft.com/office/drawing/2014/main" id="{9620F814-AE35-46F3-8F35-585A78766EEA}"/>
+              </a:ext>
+            </a:extLst>
+          </p:cNvPr>
+          <p:cNvPicPr>
+            <a:picLocks noChangeAspect="1"/>
+          </p:cNvPicPr>
+          <p:nvPr/>
+        </p:nvPicPr>
+        <p:blipFill rotWithShape="1">
+          <a:blip r:embed="rId3">
+            <a:extLst>
+              <a:ext uri="{28A0092B-C50C-407E-A947-70E740481C1C}">
+                <a14:useLocalDpi xmlns:a14="http://schemas.microsoft.com/office/drawing/2010/main" val="0"/>
+              </a:ext>
+            </a:extLst>
+          </a:blip>
+          <a:srcRect l="16964" t="22388" r="21428" b="4915"/>
+          <a:stretch/>
+        </p:blipFill>
+        <p:spPr>
+          <a:xfrm>
+            <a:off x="6160583" y="1723263"/>
+            <a:ext cx="4580387" cy="4362450"/>
+          </a:xfrm>
+          <a:prstGeom prst="rect">
+            <a:avLst/>
+          </a:prstGeom>
+        </p:spPr>
+      </p:pic>
+      <p:sp>
+        <p:nvSpPr>
+          <p:cNvPr id="9" name="TextBox 8">
+            <a:extLst>
+              <a:ext uri="{FF2B5EF4-FFF2-40B4-BE49-F238E27FC236}">
+                <a16:creationId xmlns:a16="http://schemas.microsoft.com/office/drawing/2014/main" id="{69E5ADBE-3DF0-4B63-9293-EAFB905E05DA}"/>
+              </a:ext>
+            </a:extLst>
+          </p:cNvPr>
+          <p:cNvSpPr txBox="1"/>
+          <p:nvPr/>
+        </p:nvSpPr>
+        <p:spPr>
+          <a:xfrm>
+            <a:off x="2946045" y="1323153"/>
+            <a:ext cx="1986289" cy="400110"/>
+          </a:xfrm>
+          <a:prstGeom prst="rect">
+            <a:avLst/>
+          </a:prstGeom>
+          <a:noFill/>
+        </p:spPr>
+        <p:txBody>
+          <a:bodyPr wrap="square" rtlCol="0">
+            <a:spAutoFit/>
+          </a:bodyPr>
+          <a:lstStyle/>
+          <a:p>
+            <a:r>
+              <a:rPr lang="en-US" sz="2000" dirty="0">
+                <a:latin typeface="Bahnschrift Light Condensed" panose="020B0502040204020203" pitchFamily="34" charset="0"/>
+              </a:rPr>
+              <a:t>Asian Giant Hornet</a:t>
+            </a:r>
+          </a:p>
+        </p:txBody>
+      </p:sp>
+      <p:sp>
+        <p:nvSpPr>
+          <p:cNvPr id="10" name="TextBox 9">
+            <a:extLst>
+              <a:ext uri="{FF2B5EF4-FFF2-40B4-BE49-F238E27FC236}">
+                <a16:creationId xmlns:a16="http://schemas.microsoft.com/office/drawing/2014/main" id="{78BCDD9C-9182-43F1-BF3A-37899CE52472}"/>
+              </a:ext>
+            </a:extLst>
+          </p:cNvPr>
+          <p:cNvSpPr txBox="1"/>
+          <p:nvPr/>
+        </p:nvSpPr>
+        <p:spPr>
+          <a:xfrm>
+            <a:off x="7707390" y="1323153"/>
+            <a:ext cx="1986289" cy="400110"/>
+          </a:xfrm>
+          <a:prstGeom prst="rect">
+            <a:avLst/>
+          </a:prstGeom>
+          <a:noFill/>
+        </p:spPr>
+        <p:txBody>
+          <a:bodyPr wrap="square" rtlCol="0">
+            <a:spAutoFit/>
+          </a:bodyPr>
+          <a:lstStyle/>
+          <a:p>
+            <a:r>
+              <a:rPr lang="en-US" sz="2000" dirty="0">
+                <a:latin typeface="Bahnschrift Light Condensed" panose="020B0502040204020203" pitchFamily="34" charset="0"/>
+              </a:rPr>
+              <a:t>Simbex Sawfly</a:t>
+            </a:r>
+          </a:p>
+        </p:txBody>
+      </p:sp>
+    </p:spTree>
+    <p:extLst>
+      <p:ext uri="{BB962C8B-B14F-4D97-AF65-F5344CB8AC3E}">
+        <p14:creationId xmlns:p14="http://schemas.microsoft.com/office/powerpoint/2010/main" val="2334047491"/>
       </p:ext>
     </p:extLst>
   </p:cSld>
